--- a/doc/IoT_3차발표.pptx
+++ b/doc/IoT_3차발표.pptx
@@ -7052,6 +7052,100 @@
           </a:xfrm>
         </p:spPr>
       </p:pic>
+      <p:sp>
+        <p:nvSpPr>
+          <p:cNvPr id="3" name="TextBox 2">
+            <a:extLst>
+              <a:ext uri="{FF2B5EF4-FFF2-40B4-BE49-F238E27FC236}">
+                <a16:creationId xmlns:a16="http://schemas.microsoft.com/office/drawing/2014/main" id="{11C661D0-95AC-0632-9819-F4709828232B}"/>
+              </a:ext>
+            </a:extLst>
+          </p:cNvPr>
+          <p:cNvSpPr txBox="1"/>
+          <p:nvPr/>
+        </p:nvSpPr>
+        <p:spPr>
+          <a:xfrm>
+            <a:off x="4975668" y="1306286"/>
+            <a:ext cx="4505093" cy="2585323"/>
+          </a:xfrm>
+          <a:prstGeom prst="rect">
+            <a:avLst/>
+          </a:prstGeom>
+          <a:noFill/>
+        </p:spPr>
+        <p:txBody>
+          <a:bodyPr wrap="square" rtlCol="0">
+            <a:spAutoFit/>
+          </a:bodyPr>
+          <a:lstStyle/>
+          <a:p>
+            <a:r>
+              <a:rPr kumimoji="1" lang="ko-KR" altLang="en-US" dirty="0" err="1"/>
+              <a:t>메인함수에서</a:t>
+            </a:r>
+            <a:r>
+              <a:rPr kumimoji="1" lang="ko-KR" altLang="en-US" dirty="0"/>
+              <a:t> 게임에 대한 전체적인 턴 구성을 실시</a:t>
+            </a:r>
+            <a:endParaRPr kumimoji="1" lang="en-US" altLang="ko-KR" dirty="0"/>
+          </a:p>
+          <a:p>
+            <a:endParaRPr kumimoji="1" lang="en-US" altLang="ko-KR" dirty="0"/>
+          </a:p>
+          <a:p>
+            <a:r>
+              <a:rPr kumimoji="1" lang="ko-KR" altLang="en-US" dirty="0"/>
+              <a:t>주사위의 도트 매트릭스 표시</a:t>
+            </a:r>
+            <a:r>
+              <a:rPr kumimoji="1" lang="en-US" altLang="ko-KR" dirty="0"/>
+              <a:t>, </a:t>
+            </a:r>
+            <a:r>
+              <a:rPr kumimoji="1" lang="ko-KR" altLang="en-US" dirty="0"/>
+              <a:t>점수 계산</a:t>
+            </a:r>
+            <a:r>
+              <a:rPr kumimoji="1" lang="en-US" altLang="ko-KR" dirty="0"/>
+              <a:t>, </a:t>
+            </a:r>
+            <a:r>
+              <a:rPr kumimoji="1" lang="ko-KR" altLang="en-US" dirty="0"/>
+              <a:t>결과 </a:t>
+            </a:r>
+            <a:r>
+              <a:rPr kumimoji="1" lang="ko-KR" altLang="en-US" dirty="0" err="1"/>
+              <a:t>업데이트등을</a:t>
+            </a:r>
+            <a:r>
+              <a:rPr kumimoji="1" lang="ko-KR" altLang="en-US" dirty="0"/>
+              <a:t> 처리</a:t>
+            </a:r>
+            <a:endParaRPr kumimoji="1" lang="en-US" altLang="ko-KR" dirty="0"/>
+          </a:p>
+          <a:p>
+            <a:endParaRPr kumimoji="1" lang="en-US" altLang="ko-KR" dirty="0"/>
+          </a:p>
+          <a:p>
+            <a:r>
+              <a:rPr kumimoji="1" lang="ko-KR" altLang="en-US" dirty="0"/>
+              <a:t>턴 상태와 점수에 대한 함수를 처리</a:t>
+            </a:r>
+            <a:endParaRPr kumimoji="1" lang="en-US" altLang="ko-KR" dirty="0"/>
+          </a:p>
+          <a:p>
+            <a:endParaRPr kumimoji="1" lang="en-US" altLang="ko-KR" dirty="0"/>
+          </a:p>
+          <a:p>
+            <a:r>
+              <a:rPr kumimoji="1" lang="ko-KR" altLang="en-US" dirty="0"/>
+              <a:t>게임이 종료</a:t>
+            </a:r>
+            <a:endParaRPr kumimoji="1" lang="en-US" altLang="ko-KR" dirty="0"/>
+          </a:p>
+        </p:txBody>
+      </p:sp>
     </p:spTree>
     <p:extLst>
       <p:ext uri="{BB962C8B-B14F-4D97-AF65-F5344CB8AC3E}">
@@ -7168,7 +7262,7 @@
             </a:r>
             <a:r>
               <a:rPr lang="ko-KR" altLang="en-US" dirty="0"/>
-              <a:t> 이용한 업무 분담 분담</a:t>
+              <a:t> 이용한 업무 분담</a:t>
             </a:r>
             <a:endParaRPr lang="en-US" altLang="ko-KR" dirty="0"/>
           </a:p>
